--- a/[Week 5] Database Dashboard/Presentation/Powerpoint.pptx
+++ b/[Week 5] Database Dashboard/Presentation/Powerpoint.pptx
@@ -353,7 +353,7 @@
             <a:fld id="{1D8BD707-D9CF-40AE-B4C6-C98DA3205C09}" type="datetimeFigureOut">
               <a:rPr lang="en-US" smtClean="0"/>
               <a:pPr/>
-              <a:t>5/8/2024</a:t>
+              <a:t>5/9/2024</a:t>
             </a:fld>
             <a:endParaRPr lang="en-US"/>
           </a:p>
@@ -518,7 +518,7 @@
             <a:fld id="{1D8BD707-D9CF-40AE-B4C6-C98DA3205C09}" type="datetimeFigureOut">
               <a:rPr lang="en-US" smtClean="0"/>
               <a:pPr/>
-              <a:t>5/8/2024</a:t>
+              <a:t>5/9/2024</a:t>
             </a:fld>
             <a:endParaRPr lang="en-US"/>
           </a:p>
@@ -693,7 +693,7 @@
             <a:fld id="{1D8BD707-D9CF-40AE-B4C6-C98DA3205C09}" type="datetimeFigureOut">
               <a:rPr lang="en-US" smtClean="0"/>
               <a:pPr/>
-              <a:t>5/8/2024</a:t>
+              <a:t>5/9/2024</a:t>
             </a:fld>
             <a:endParaRPr lang="en-US"/>
           </a:p>
@@ -858,7 +858,7 @@
             <a:fld id="{1D8BD707-D9CF-40AE-B4C6-C98DA3205C09}" type="datetimeFigureOut">
               <a:rPr lang="en-US" smtClean="0"/>
               <a:pPr/>
-              <a:t>5/8/2024</a:t>
+              <a:t>5/9/2024</a:t>
             </a:fld>
             <a:endParaRPr lang="en-US"/>
           </a:p>
@@ -1100,7 +1100,7 @@
             <a:fld id="{1D8BD707-D9CF-40AE-B4C6-C98DA3205C09}" type="datetimeFigureOut">
               <a:rPr lang="en-US" smtClean="0"/>
               <a:pPr/>
-              <a:t>5/8/2024</a:t>
+              <a:t>5/9/2024</a:t>
             </a:fld>
             <a:endParaRPr lang="en-US"/>
           </a:p>
@@ -1382,7 +1382,7 @@
             <a:fld id="{1D8BD707-D9CF-40AE-B4C6-C98DA3205C09}" type="datetimeFigureOut">
               <a:rPr lang="en-US" smtClean="0"/>
               <a:pPr/>
-              <a:t>5/8/2024</a:t>
+              <a:t>5/9/2024</a:t>
             </a:fld>
             <a:endParaRPr lang="en-US"/>
           </a:p>
@@ -1798,7 +1798,7 @@
             <a:fld id="{1D8BD707-D9CF-40AE-B4C6-C98DA3205C09}" type="datetimeFigureOut">
               <a:rPr lang="en-US" smtClean="0"/>
               <a:pPr/>
-              <a:t>5/8/2024</a:t>
+              <a:t>5/9/2024</a:t>
             </a:fld>
             <a:endParaRPr lang="en-US"/>
           </a:p>
@@ -1912,7 +1912,7 @@
             <a:fld id="{1D8BD707-D9CF-40AE-B4C6-C98DA3205C09}" type="datetimeFigureOut">
               <a:rPr lang="en-US" smtClean="0"/>
               <a:pPr/>
-              <a:t>5/8/2024</a:t>
+              <a:t>5/9/2024</a:t>
             </a:fld>
             <a:endParaRPr lang="en-US"/>
           </a:p>
@@ -2004,7 +2004,7 @@
             <a:fld id="{1D8BD707-D9CF-40AE-B4C6-C98DA3205C09}" type="datetimeFigureOut">
               <a:rPr lang="en-US" smtClean="0"/>
               <a:pPr/>
-              <a:t>5/8/2024</a:t>
+              <a:t>5/9/2024</a:t>
             </a:fld>
             <a:endParaRPr lang="en-US"/>
           </a:p>
@@ -2276,7 +2276,7 @@
             <a:fld id="{1D8BD707-D9CF-40AE-B4C6-C98DA3205C09}" type="datetimeFigureOut">
               <a:rPr lang="en-US" smtClean="0"/>
               <a:pPr/>
-              <a:t>5/8/2024</a:t>
+              <a:t>5/9/2024</a:t>
             </a:fld>
             <a:endParaRPr lang="en-US"/>
           </a:p>
@@ -2525,7 +2525,7 @@
             <a:fld id="{1D8BD707-D9CF-40AE-B4C6-C98DA3205C09}" type="datetimeFigureOut">
               <a:rPr lang="en-US" smtClean="0"/>
               <a:pPr/>
-              <a:t>5/8/2024</a:t>
+              <a:t>5/9/2024</a:t>
             </a:fld>
             <a:endParaRPr lang="en-US"/>
           </a:p>
@@ -2733,7 +2733,7 @@
             <a:fld id="{1D8BD707-D9CF-40AE-B4C6-C98DA3205C09}" type="datetimeFigureOut">
               <a:rPr lang="en-US" smtClean="0"/>
               <a:pPr/>
-              <a:t>5/8/2024</a:t>
+              <a:t>5/9/2024</a:t>
             </a:fld>
             <a:endParaRPr lang="en-US"/>
           </a:p>
@@ -4424,6 +4424,14 @@
 <file path=ppt/slides/slide12.xml><?xml version="1.0" encoding="utf-8"?>
 <p:sld xmlns:a="http://schemas.openxmlformats.org/drawingml/2006/main" xmlns:r="http://schemas.openxmlformats.org/officeDocument/2006/relationships" xmlns:p="http://schemas.openxmlformats.org/presentationml/2006/main">
   <p:cSld>
+    <p:bg>
+      <p:bgPr>
+        <a:solidFill>
+          <a:srgbClr val="FBFBFB"/>
+        </a:solidFill>
+        <a:effectLst/>
+      </p:bgPr>
+    </p:bg>
     <p:spTree>
       <p:nvGrpSpPr>
         <p:cNvPr id="1" name=""/>
@@ -4438,52 +4446,42 @@
           <a:chExt cx="0" cy="0"/>
         </a:xfrm>
       </p:grpSpPr>
-      <p:sp>
-        <p:nvSpPr>
-          <p:cNvPr id="2" name="Freeform 2"/>
-          <p:cNvSpPr/>
+      <p:pic>
+        <p:nvPicPr>
+          <p:cNvPr id="4" name="Picture 3">
+            <a:extLst>
+              <a:ext uri="{FF2B5EF4-FFF2-40B4-BE49-F238E27FC236}">
+                <a16:creationId xmlns:a16="http://schemas.microsoft.com/office/drawing/2014/main" id="{2753B0EB-1B48-2874-B5AE-37A49F623E99}"/>
+              </a:ext>
+            </a:extLst>
+          </p:cNvPr>
+          <p:cNvPicPr>
+            <a:picLocks noChangeAspect="1"/>
+          </p:cNvPicPr>
           <p:nvPr/>
-        </p:nvSpPr>
+        </p:nvPicPr>
+        <p:blipFill>
+          <a:blip r:embed="rId2">
+            <a:extLst>
+              <a:ext uri="{28A0092B-C50C-407E-A947-70E740481C1C}">
+                <a14:useLocalDpi xmlns:a14="http://schemas.microsoft.com/office/drawing/2010/main" val="0"/>
+              </a:ext>
+            </a:extLst>
+          </a:blip>
+          <a:stretch>
+            <a:fillRect/>
+          </a:stretch>
+        </p:blipFill>
         <p:spPr>
           <a:xfrm>
-            <a:off x="1439944" y="652347"/>
-            <a:ext cx="15408111" cy="8982307"/>
-          </a:xfrm>
-          <a:custGeom>
+            <a:off x="3047999" y="1"/>
+            <a:ext cx="12501055" cy="10287000"/>
+          </a:xfrm>
+          <a:prstGeom prst="rect">
             <a:avLst/>
-            <a:gdLst/>
-            <a:ahLst/>
-            <a:cxnLst/>
-            <a:rect l="l" t="t" r="r" b="b"/>
-            <a:pathLst>
-              <a:path w="15408111" h="8982307">
-                <a:moveTo>
-                  <a:pt x="0" y="0"/>
-                </a:moveTo>
-                <a:lnTo>
-                  <a:pt x="15408112" y="0"/>
-                </a:lnTo>
-                <a:lnTo>
-                  <a:pt x="15408112" y="8982306"/>
-                </a:lnTo>
-                <a:lnTo>
-                  <a:pt x="0" y="8982306"/>
-                </a:lnTo>
-                <a:lnTo>
-                  <a:pt x="0" y="0"/>
-                </a:lnTo>
-                <a:close/>
-              </a:path>
-            </a:pathLst>
-          </a:custGeom>
-          <a:blipFill>
-            <a:blip r:embed="rId2"/>
-            <a:stretch>
-              <a:fillRect/>
-            </a:stretch>
-          </a:blipFill>
+          </a:prstGeom>
         </p:spPr>
-      </p:sp>
+      </p:pic>
     </p:spTree>
   </p:cSld>
   <p:clrMapOvr>

--- a/[Week 5] Database Dashboard/Presentation/Powerpoint.pptx
+++ b/[Week 5] Database Dashboard/Presentation/Powerpoint.pptx
@@ -7,7 +7,7 @@
   <p:sldIdLst>
     <p:sldId id="256" r:id="rId2"/>
     <p:sldId id="257" r:id="rId3"/>
-    <p:sldId id="258" r:id="rId4"/>
+    <p:sldId id="273" r:id="rId4"/>
     <p:sldId id="259" r:id="rId5"/>
     <p:sldId id="260" r:id="rId6"/>
     <p:sldId id="261" r:id="rId7"/>
@@ -22,41 +22,40 @@
     <p:sldId id="270" r:id="rId16"/>
     <p:sldId id="271" r:id="rId17"/>
     <p:sldId id="272" r:id="rId18"/>
-    <p:sldId id="273" r:id="rId19"/>
   </p:sldIdLst>
   <p:sldSz cx="18288000" cy="10287000"/>
   <p:notesSz cx="6858000" cy="9144000"/>
   <p:embeddedFontLst>
     <p:embeddedFont>
       <p:font typeface="Aileron" panose="020B0604020202020204" charset="0"/>
+      <p:regular r:id="rId19"/>
+    </p:embeddedFont>
+    <p:embeddedFont>
+      <p:font typeface="Aileron Thin" panose="020B0604020202020204" charset="0"/>
       <p:regular r:id="rId20"/>
     </p:embeddedFont>
     <p:embeddedFont>
-      <p:font typeface="Aileron Thin" panose="020B0604020202020204" charset="0"/>
+      <p:font typeface="Alata" panose="020B0604020202020204" charset="0"/>
       <p:regular r:id="rId21"/>
     </p:embeddedFont>
     <p:embeddedFont>
-      <p:font typeface="Alata" panose="020B0604020202020204" charset="0"/>
+      <p:font typeface="Arial Nova" panose="020B0504020202020204" pitchFamily="34" charset="0"/>
       <p:regular r:id="rId22"/>
     </p:embeddedFont>
     <p:embeddedFont>
-      <p:font typeface="Arial Nova" panose="020B0504020202020204" pitchFamily="34" charset="0"/>
+      <p:font typeface="Calibri" panose="020F0502020204030204" pitchFamily="34" charset="0"/>
       <p:regular r:id="rId23"/>
-    </p:embeddedFont>
-    <p:embeddedFont>
-      <p:font typeface="Calibri" panose="020F0502020204030204" pitchFamily="34" charset="0"/>
-      <p:regular r:id="rId24"/>
-      <p:bold r:id="rId25"/>
-      <p:italic r:id="rId26"/>
-      <p:boldItalic r:id="rId27"/>
+      <p:bold r:id="rId24"/>
+      <p:italic r:id="rId25"/>
+      <p:boldItalic r:id="rId26"/>
     </p:embeddedFont>
     <p:embeddedFont>
       <p:font typeface="Poppins Bold" panose="020B0604020202020204" charset="0"/>
-      <p:regular r:id="rId28"/>
+      <p:regular r:id="rId27"/>
     </p:embeddedFont>
     <p:embeddedFont>
       <p:font typeface="Poppins Medium" panose="00000600000000000000" pitchFamily="2" charset="0"/>
-      <p:regular r:id="rId29"/>
+      <p:regular r:id="rId28"/>
     </p:embeddedFont>
   </p:embeddedFontLst>
   <p:defaultTextStyle>
@@ -353,7 +352,7 @@
             <a:fld id="{1D8BD707-D9CF-40AE-B4C6-C98DA3205C09}" type="datetimeFigureOut">
               <a:rPr lang="en-US" smtClean="0"/>
               <a:pPr/>
-              <a:t>5/9/2024</a:t>
+              <a:t>5/15/2024</a:t>
             </a:fld>
             <a:endParaRPr lang="en-US"/>
           </a:p>
@@ -518,7 +517,7 @@
             <a:fld id="{1D8BD707-D9CF-40AE-B4C6-C98DA3205C09}" type="datetimeFigureOut">
               <a:rPr lang="en-US" smtClean="0"/>
               <a:pPr/>
-              <a:t>5/9/2024</a:t>
+              <a:t>5/15/2024</a:t>
             </a:fld>
             <a:endParaRPr lang="en-US"/>
           </a:p>
@@ -693,7 +692,7 @@
             <a:fld id="{1D8BD707-D9CF-40AE-B4C6-C98DA3205C09}" type="datetimeFigureOut">
               <a:rPr lang="en-US" smtClean="0"/>
               <a:pPr/>
-              <a:t>5/9/2024</a:t>
+              <a:t>5/15/2024</a:t>
             </a:fld>
             <a:endParaRPr lang="en-US"/>
           </a:p>
@@ -858,7 +857,7 @@
             <a:fld id="{1D8BD707-D9CF-40AE-B4C6-C98DA3205C09}" type="datetimeFigureOut">
               <a:rPr lang="en-US" smtClean="0"/>
               <a:pPr/>
-              <a:t>5/9/2024</a:t>
+              <a:t>5/15/2024</a:t>
             </a:fld>
             <a:endParaRPr lang="en-US"/>
           </a:p>
@@ -1100,7 +1099,7 @@
             <a:fld id="{1D8BD707-D9CF-40AE-B4C6-C98DA3205C09}" type="datetimeFigureOut">
               <a:rPr lang="en-US" smtClean="0"/>
               <a:pPr/>
-              <a:t>5/9/2024</a:t>
+              <a:t>5/15/2024</a:t>
             </a:fld>
             <a:endParaRPr lang="en-US"/>
           </a:p>
@@ -1382,7 +1381,7 @@
             <a:fld id="{1D8BD707-D9CF-40AE-B4C6-C98DA3205C09}" type="datetimeFigureOut">
               <a:rPr lang="en-US" smtClean="0"/>
               <a:pPr/>
-              <a:t>5/9/2024</a:t>
+              <a:t>5/15/2024</a:t>
             </a:fld>
             <a:endParaRPr lang="en-US"/>
           </a:p>
@@ -1798,7 +1797,7 @@
             <a:fld id="{1D8BD707-D9CF-40AE-B4C6-C98DA3205C09}" type="datetimeFigureOut">
               <a:rPr lang="en-US" smtClean="0"/>
               <a:pPr/>
-              <a:t>5/9/2024</a:t>
+              <a:t>5/15/2024</a:t>
             </a:fld>
             <a:endParaRPr lang="en-US"/>
           </a:p>
@@ -1912,7 +1911,7 @@
             <a:fld id="{1D8BD707-D9CF-40AE-B4C6-C98DA3205C09}" type="datetimeFigureOut">
               <a:rPr lang="en-US" smtClean="0"/>
               <a:pPr/>
-              <a:t>5/9/2024</a:t>
+              <a:t>5/15/2024</a:t>
             </a:fld>
             <a:endParaRPr lang="en-US"/>
           </a:p>
@@ -2004,7 +2003,7 @@
             <a:fld id="{1D8BD707-D9CF-40AE-B4C6-C98DA3205C09}" type="datetimeFigureOut">
               <a:rPr lang="en-US" smtClean="0"/>
               <a:pPr/>
-              <a:t>5/9/2024</a:t>
+              <a:t>5/15/2024</a:t>
             </a:fld>
             <a:endParaRPr lang="en-US"/>
           </a:p>
@@ -2276,7 +2275,7 @@
             <a:fld id="{1D8BD707-D9CF-40AE-B4C6-C98DA3205C09}" type="datetimeFigureOut">
               <a:rPr lang="en-US" smtClean="0"/>
               <a:pPr/>
-              <a:t>5/9/2024</a:t>
+              <a:t>5/15/2024</a:t>
             </a:fld>
             <a:endParaRPr lang="en-US"/>
           </a:p>
@@ -2525,7 +2524,7 @@
             <a:fld id="{1D8BD707-D9CF-40AE-B4C6-C98DA3205C09}" type="datetimeFigureOut">
               <a:rPr lang="en-US" smtClean="0"/>
               <a:pPr/>
-              <a:t>5/9/2024</a:t>
+              <a:t>5/15/2024</a:t>
             </a:fld>
             <a:endParaRPr lang="en-US"/>
           </a:p>
@@ -2733,7 +2732,7 @@
             <a:fld id="{1D8BD707-D9CF-40AE-B4C6-C98DA3205C09}" type="datetimeFigureOut">
               <a:rPr lang="en-US" smtClean="0"/>
               <a:pPr/>
-              <a:t>5/9/2024</a:t>
+              <a:t>5/15/2024</a:t>
             </a:fld>
             <a:endParaRPr lang="en-US"/>
           </a:p>
@@ -4375,8 +4374,8 @@
         </p:nvSpPr>
         <p:spPr>
           <a:xfrm>
-            <a:off x="3134334" y="254770"/>
-            <a:ext cx="12019332" cy="9777459"/>
+            <a:off x="3502065" y="346916"/>
+            <a:ext cx="11283869" cy="9593168"/>
           </a:xfrm>
           <a:custGeom>
             <a:avLst/>
@@ -4385,18 +4384,18 @@
             <a:cxnLst/>
             <a:rect l="l" t="t" r="r" b="b"/>
             <a:pathLst>
-              <a:path w="12019332" h="9777459">
+              <a:path w="11283869" h="9593168">
                 <a:moveTo>
                   <a:pt x="0" y="0"/>
                 </a:moveTo>
                 <a:lnTo>
-                  <a:pt x="12019332" y="0"/>
+                  <a:pt x="11283870" y="0"/>
                 </a:lnTo>
                 <a:lnTo>
-                  <a:pt x="12019332" y="9777460"/>
+                  <a:pt x="11283870" y="9593168"/>
                 </a:lnTo>
                 <a:lnTo>
-                  <a:pt x="0" y="9777460"/>
+                  <a:pt x="0" y="9593168"/>
                 </a:lnTo>
                 <a:lnTo>
                   <a:pt x="0" y="0"/>
@@ -4422,75 +4421,6 @@
 </file>
 
 <file path=ppt/slides/slide12.xml><?xml version="1.0" encoding="utf-8"?>
-<p:sld xmlns:a="http://schemas.openxmlformats.org/drawingml/2006/main" xmlns:r="http://schemas.openxmlformats.org/officeDocument/2006/relationships" xmlns:p="http://schemas.openxmlformats.org/presentationml/2006/main">
-  <p:cSld>
-    <p:bg>
-      <p:bgPr>
-        <a:solidFill>
-          <a:srgbClr val="FBFBFB"/>
-        </a:solidFill>
-        <a:effectLst/>
-      </p:bgPr>
-    </p:bg>
-    <p:spTree>
-      <p:nvGrpSpPr>
-        <p:cNvPr id="1" name=""/>
-        <p:cNvGrpSpPr/>
-        <p:nvPr/>
-      </p:nvGrpSpPr>
-      <p:grpSpPr>
-        <a:xfrm>
-          <a:off x="0" y="0"/>
-          <a:ext cx="0" cy="0"/>
-          <a:chOff x="0" y="0"/>
-          <a:chExt cx="0" cy="0"/>
-        </a:xfrm>
-      </p:grpSpPr>
-      <p:pic>
-        <p:nvPicPr>
-          <p:cNvPr id="4" name="Picture 3">
-            <a:extLst>
-              <a:ext uri="{FF2B5EF4-FFF2-40B4-BE49-F238E27FC236}">
-                <a16:creationId xmlns:a16="http://schemas.microsoft.com/office/drawing/2014/main" id="{2753B0EB-1B48-2874-B5AE-37A49F623E99}"/>
-              </a:ext>
-            </a:extLst>
-          </p:cNvPr>
-          <p:cNvPicPr>
-            <a:picLocks noChangeAspect="1"/>
-          </p:cNvPicPr>
-          <p:nvPr/>
-        </p:nvPicPr>
-        <p:blipFill>
-          <a:blip r:embed="rId2">
-            <a:extLst>
-              <a:ext uri="{28A0092B-C50C-407E-A947-70E740481C1C}">
-                <a14:useLocalDpi xmlns:a14="http://schemas.microsoft.com/office/drawing/2010/main" val="0"/>
-              </a:ext>
-            </a:extLst>
-          </a:blip>
-          <a:stretch>
-            <a:fillRect/>
-          </a:stretch>
-        </p:blipFill>
-        <p:spPr>
-          <a:xfrm>
-            <a:off x="3047999" y="1"/>
-            <a:ext cx="12501055" cy="10287000"/>
-          </a:xfrm>
-          <a:prstGeom prst="rect">
-            <a:avLst/>
-          </a:prstGeom>
-        </p:spPr>
-      </p:pic>
-    </p:spTree>
-  </p:cSld>
-  <p:clrMapOvr>
-    <a:masterClrMapping/>
-  </p:clrMapOvr>
-</p:sld>
-</file>
-
-<file path=ppt/slides/slide13.xml><?xml version="1.0" encoding="utf-8"?>
 <p:sld xmlns:a="http://schemas.openxmlformats.org/drawingml/2006/main" xmlns:r="http://schemas.openxmlformats.org/officeDocument/2006/relationships" xmlns:p="http://schemas.openxmlformats.org/presentationml/2006/main">
   <p:cSld>
     <p:spTree>
@@ -4741,6 +4671,115 @@
 </p:sld>
 </file>
 
+<file path=ppt/slides/slide13.xml><?xml version="1.0" encoding="utf-8"?>
+<p:sld xmlns:a="http://schemas.openxmlformats.org/drawingml/2006/main" xmlns:r="http://schemas.openxmlformats.org/officeDocument/2006/relationships" xmlns:p="http://schemas.openxmlformats.org/presentationml/2006/main">
+  <p:cSld>
+    <p:spTree>
+      <p:nvGrpSpPr>
+        <p:cNvPr id="1" name=""/>
+        <p:cNvGrpSpPr/>
+        <p:nvPr/>
+      </p:nvGrpSpPr>
+      <p:grpSpPr>
+        <a:xfrm>
+          <a:off x="0" y="0"/>
+          <a:ext cx="0" cy="0"/>
+          <a:chOff x="0" y="0"/>
+          <a:chExt cx="0" cy="0"/>
+        </a:xfrm>
+      </p:grpSpPr>
+      <p:sp>
+        <p:nvSpPr>
+          <p:cNvPr id="2" name="Freeform 2"/>
+          <p:cNvSpPr/>
+          <p:nvPr/>
+        </p:nvSpPr>
+        <p:spPr>
+          <a:xfrm>
+            <a:off x="3859988" y="2168080"/>
+            <a:ext cx="10568024" cy="7478170"/>
+          </a:xfrm>
+          <a:custGeom>
+            <a:avLst/>
+            <a:gdLst/>
+            <a:ahLst/>
+            <a:cxnLst/>
+            <a:rect l="l" t="t" r="r" b="b"/>
+            <a:pathLst>
+              <a:path w="10568024" h="7478170">
+                <a:moveTo>
+                  <a:pt x="0" y="0"/>
+                </a:moveTo>
+                <a:lnTo>
+                  <a:pt x="10568024" y="0"/>
+                </a:lnTo>
+                <a:lnTo>
+                  <a:pt x="10568024" y="7478170"/>
+                </a:lnTo>
+                <a:lnTo>
+                  <a:pt x="0" y="7478170"/>
+                </a:lnTo>
+                <a:lnTo>
+                  <a:pt x="0" y="0"/>
+                </a:lnTo>
+                <a:close/>
+              </a:path>
+            </a:pathLst>
+          </a:custGeom>
+          <a:blipFill>
+            <a:blip r:embed="rId2"/>
+            <a:stretch>
+              <a:fillRect/>
+            </a:stretch>
+          </a:blipFill>
+        </p:spPr>
+      </p:sp>
+      <p:sp>
+        <p:nvSpPr>
+          <p:cNvPr id="3" name="TextBox 3"/>
+          <p:cNvSpPr txBox="1"/>
+          <p:nvPr/>
+        </p:nvSpPr>
+        <p:spPr>
+          <a:xfrm>
+            <a:off x="1636503" y="344488"/>
+            <a:ext cx="15014995" cy="1177925"/>
+          </a:xfrm>
+          <a:prstGeom prst="rect">
+            <a:avLst/>
+          </a:prstGeom>
+        </p:spPr>
+        <p:txBody>
+          <a:bodyPr lIns="0" tIns="0" rIns="0" bIns="0" rtlCol="0" anchor="t">
+            <a:spAutoFit/>
+          </a:bodyPr>
+          <a:lstStyle/>
+          <a:p>
+            <a:pPr algn="ctr">
+              <a:lnSpc>
+                <a:spcPts val="9100"/>
+              </a:lnSpc>
+            </a:pPr>
+            <a:r>
+              <a:rPr lang="en-US" sz="6500">
+                <a:solidFill>
+                  <a:srgbClr val="0E4D8D"/>
+                </a:solidFill>
+                <a:latin typeface="Poppins Bold"/>
+              </a:rPr>
+              <a:t>Fact_HeadCount</a:t>
+            </a:r>
+          </a:p>
+        </p:txBody>
+      </p:sp>
+    </p:spTree>
+  </p:cSld>
+  <p:clrMapOvr>
+    <a:masterClrMapping/>
+  </p:clrMapOvr>
+</p:sld>
+</file>
+
 <file path=ppt/slides/slide14.xml><?xml version="1.0" encoding="utf-8"?>
 <p:sld xmlns:a="http://schemas.openxmlformats.org/drawingml/2006/main" xmlns:r="http://schemas.openxmlformats.org/officeDocument/2006/relationships" xmlns:p="http://schemas.openxmlformats.org/presentationml/2006/main">
   <p:cSld>
@@ -4766,8 +4805,8 @@
         </p:nvSpPr>
         <p:spPr>
           <a:xfrm>
-            <a:off x="3333002" y="2213804"/>
-            <a:ext cx="10873262" cy="7178465"/>
+            <a:off x="4217778" y="2059319"/>
+            <a:ext cx="9852444" cy="7764085"/>
           </a:xfrm>
           <a:custGeom>
             <a:avLst/>
@@ -4776,18 +4815,18 @@
             <a:cxnLst/>
             <a:rect l="l" t="t" r="r" b="b"/>
             <a:pathLst>
-              <a:path w="10873262" h="7178465">
+              <a:path w="9852444" h="7764085">
                 <a:moveTo>
                   <a:pt x="0" y="0"/>
                 </a:moveTo>
                 <a:lnTo>
-                  <a:pt x="10873263" y="0"/>
+                  <a:pt x="9852444" y="0"/>
                 </a:lnTo>
                 <a:lnTo>
-                  <a:pt x="10873263" y="7178464"/>
+                  <a:pt x="9852444" y="7764085"/>
                 </a:lnTo>
                 <a:lnTo>
-                  <a:pt x="0" y="7178464"/>
+                  <a:pt x="0" y="7764085"/>
                 </a:lnTo>
                 <a:lnTo>
                   <a:pt x="0" y="0"/>
@@ -4837,7 +4876,7 @@
                 </a:solidFill>
                 <a:latin typeface="Poppins Bold"/>
               </a:rPr>
-              <a:t>Fact_HeadCount</a:t>
+              <a:t>Fact_Hire</a:t>
             </a:r>
           </a:p>
         </p:txBody>
@@ -4875,8 +4914,8 @@
         </p:nvSpPr>
         <p:spPr>
           <a:xfrm>
-            <a:off x="3806827" y="2296100"/>
-            <a:ext cx="10674346" cy="7248201"/>
+            <a:off x="3129047" y="1930142"/>
+            <a:ext cx="12029905" cy="7684914"/>
           </a:xfrm>
           <a:custGeom>
             <a:avLst/>
@@ -4885,18 +4924,18 @@
             <a:cxnLst/>
             <a:rect l="l" t="t" r="r" b="b"/>
             <a:pathLst>
-              <a:path w="10674346" h="7248201">
+              <a:path w="12029905" h="7684914">
                 <a:moveTo>
                   <a:pt x="0" y="0"/>
                 </a:moveTo>
                 <a:lnTo>
-                  <a:pt x="10674346" y="0"/>
+                  <a:pt x="12029906" y="0"/>
                 </a:lnTo>
                 <a:lnTo>
-                  <a:pt x="10674346" y="7248201"/>
+                  <a:pt x="12029906" y="7684914"/>
                 </a:lnTo>
                 <a:lnTo>
-                  <a:pt x="0" y="7248201"/>
+                  <a:pt x="0" y="7684914"/>
                 </a:lnTo>
                 <a:lnTo>
                   <a:pt x="0" y="0"/>
@@ -4946,7 +4985,7 @@
                 </a:solidFill>
                 <a:latin typeface="Poppins Bold"/>
               </a:rPr>
-              <a:t>Fact_Hire</a:t>
+              <a:t>Fact_Leave</a:t>
             </a:r>
           </a:p>
         </p:txBody>
@@ -4984,8 +5023,8 @@
         </p:nvSpPr>
         <p:spPr>
           <a:xfrm>
-            <a:off x="2881519" y="2255279"/>
-            <a:ext cx="12524962" cy="6774945"/>
+            <a:off x="4074883" y="2198803"/>
+            <a:ext cx="10138234" cy="6949391"/>
           </a:xfrm>
           <a:custGeom>
             <a:avLst/>
@@ -4994,18 +5033,18 @@
             <a:cxnLst/>
             <a:rect l="l" t="t" r="r" b="b"/>
             <a:pathLst>
-              <a:path w="12524962" h="6774945">
+              <a:path w="10138234" h="6949391">
                 <a:moveTo>
                   <a:pt x="0" y="0"/>
                 </a:moveTo>
                 <a:lnTo>
-                  <a:pt x="12524962" y="0"/>
+                  <a:pt x="10138234" y="0"/>
                 </a:lnTo>
                 <a:lnTo>
-                  <a:pt x="12524962" y="6774944"/>
+                  <a:pt x="10138234" y="6949391"/>
                 </a:lnTo>
                 <a:lnTo>
-                  <a:pt x="0" y="6774944"/>
+                  <a:pt x="0" y="6949391"/>
                 </a:lnTo>
                 <a:lnTo>
                   <a:pt x="0" y="0"/>
@@ -5055,7 +5094,7 @@
                 </a:solidFill>
                 <a:latin typeface="Poppins Bold"/>
               </a:rPr>
-              <a:t>Fact_Leave</a:t>
+              <a:t>Fact_Termination</a:t>
             </a:r>
           </a:p>
         </p:txBody>
@@ -5069,115 +5108,6 @@
 </file>
 
 <file path=ppt/slides/slide17.xml><?xml version="1.0" encoding="utf-8"?>
-<p:sld xmlns:a="http://schemas.openxmlformats.org/drawingml/2006/main" xmlns:r="http://schemas.openxmlformats.org/officeDocument/2006/relationships" xmlns:p="http://schemas.openxmlformats.org/presentationml/2006/main">
-  <p:cSld>
-    <p:spTree>
-      <p:nvGrpSpPr>
-        <p:cNvPr id="1" name=""/>
-        <p:cNvGrpSpPr/>
-        <p:nvPr/>
-      </p:nvGrpSpPr>
-      <p:grpSpPr>
-        <a:xfrm>
-          <a:off x="0" y="0"/>
-          <a:ext cx="0" cy="0"/>
-          <a:chOff x="0" y="0"/>
-          <a:chExt cx="0" cy="0"/>
-        </a:xfrm>
-      </p:grpSpPr>
-      <p:sp>
-        <p:nvSpPr>
-          <p:cNvPr id="2" name="Freeform 2"/>
-          <p:cNvSpPr/>
-          <p:nvPr/>
-        </p:nvSpPr>
-        <p:spPr>
-          <a:xfrm>
-            <a:off x="3361253" y="2191005"/>
-            <a:ext cx="11565495" cy="7248347"/>
-          </a:xfrm>
-          <a:custGeom>
-            <a:avLst/>
-            <a:gdLst/>
-            <a:ahLst/>
-            <a:cxnLst/>
-            <a:rect l="l" t="t" r="r" b="b"/>
-            <a:pathLst>
-              <a:path w="11565495" h="7248347">
-                <a:moveTo>
-                  <a:pt x="0" y="0"/>
-                </a:moveTo>
-                <a:lnTo>
-                  <a:pt x="11565494" y="0"/>
-                </a:lnTo>
-                <a:lnTo>
-                  <a:pt x="11565494" y="7248347"/>
-                </a:lnTo>
-                <a:lnTo>
-                  <a:pt x="0" y="7248347"/>
-                </a:lnTo>
-                <a:lnTo>
-                  <a:pt x="0" y="0"/>
-                </a:lnTo>
-                <a:close/>
-              </a:path>
-            </a:pathLst>
-          </a:custGeom>
-          <a:blipFill>
-            <a:blip r:embed="rId2"/>
-            <a:stretch>
-              <a:fillRect/>
-            </a:stretch>
-          </a:blipFill>
-        </p:spPr>
-      </p:sp>
-      <p:sp>
-        <p:nvSpPr>
-          <p:cNvPr id="3" name="TextBox 3"/>
-          <p:cNvSpPr txBox="1"/>
-          <p:nvPr/>
-        </p:nvSpPr>
-        <p:spPr>
-          <a:xfrm>
-            <a:off x="1636503" y="344488"/>
-            <a:ext cx="15014995" cy="1177925"/>
-          </a:xfrm>
-          <a:prstGeom prst="rect">
-            <a:avLst/>
-          </a:prstGeom>
-        </p:spPr>
-        <p:txBody>
-          <a:bodyPr lIns="0" tIns="0" rIns="0" bIns="0" rtlCol="0" anchor="t">
-            <a:spAutoFit/>
-          </a:bodyPr>
-          <a:lstStyle/>
-          <a:p>
-            <a:pPr algn="ctr">
-              <a:lnSpc>
-                <a:spcPts val="9100"/>
-              </a:lnSpc>
-            </a:pPr>
-            <a:r>
-              <a:rPr lang="en-US" sz="6500">
-                <a:solidFill>
-                  <a:srgbClr val="0E4D8D"/>
-                </a:solidFill>
-                <a:latin typeface="Poppins Bold"/>
-              </a:rPr>
-              <a:t>Fact_Termination</a:t>
-            </a:r>
-          </a:p>
-        </p:txBody>
-      </p:sp>
-    </p:spTree>
-  </p:cSld>
-  <p:clrMapOvr>
-    <a:masterClrMapping/>
-  </p:clrMapOvr>
-</p:sld>
-</file>
-
-<file path=ppt/slides/slide18.xml><?xml version="1.0" encoding="utf-8"?>
 <p:sld xmlns:a="http://schemas.openxmlformats.org/drawingml/2006/main" xmlns:r="http://schemas.openxmlformats.org/officeDocument/2006/relationships" xmlns:p="http://schemas.openxmlformats.org/presentationml/2006/main">
   <p:cSld>
     <p:bg>
@@ -5743,7 +5673,13 @@
       </p:grpSpPr>
       <p:grpSp>
         <p:nvGrpSpPr>
-          <p:cNvPr id="2" name="Group 2"/>
+          <p:cNvPr id="2" name="Group 2">
+            <a:extLst>
+              <a:ext uri="{FF2B5EF4-FFF2-40B4-BE49-F238E27FC236}">
+                <a16:creationId xmlns:a16="http://schemas.microsoft.com/office/drawing/2014/main" id="{B89B924C-18F6-76E9-6165-10BB0911596E}"/>
+              </a:ext>
+            </a:extLst>
+          </p:cNvPr>
           <p:cNvGrpSpPr/>
           <p:nvPr/>
         </p:nvGrpSpPr>
@@ -5757,7 +5693,13 @@
         </p:grpSpPr>
         <p:sp>
           <p:nvSpPr>
-            <p:cNvPr id="3" name="Freeform 3"/>
+            <p:cNvPr id="3" name="Freeform 3">
+              <a:extLst>
+                <a:ext uri="{FF2B5EF4-FFF2-40B4-BE49-F238E27FC236}">
+                  <a16:creationId xmlns:a16="http://schemas.microsoft.com/office/drawing/2014/main" id="{290C0299-5444-4262-D5DE-B54B9C0250C6}"/>
+                </a:ext>
+              </a:extLst>
+            </p:cNvPr>
             <p:cNvSpPr/>
             <p:nvPr/>
           </p:nvSpPr>
@@ -5835,7 +5777,13 @@
         </p:sp>
         <p:sp>
           <p:nvSpPr>
-            <p:cNvPr id="4" name="TextBox 4"/>
+            <p:cNvPr id="4" name="TextBox 4">
+              <a:extLst>
+                <a:ext uri="{FF2B5EF4-FFF2-40B4-BE49-F238E27FC236}">
+                  <a16:creationId xmlns:a16="http://schemas.microsoft.com/office/drawing/2014/main" id="{A8D817F7-83F8-6C11-753E-240DFFACDC1B}"/>
+                </a:ext>
+              </a:extLst>
+            </p:cNvPr>
             <p:cNvSpPr txBox="1"/>
             <p:nvPr/>
           </p:nvSpPr>
@@ -5864,7 +5812,13 @@
       </p:grpSp>
       <p:grpSp>
         <p:nvGrpSpPr>
-          <p:cNvPr id="5" name="Group 5"/>
+          <p:cNvPr id="5" name="Group 5">
+            <a:extLst>
+              <a:ext uri="{FF2B5EF4-FFF2-40B4-BE49-F238E27FC236}">
+                <a16:creationId xmlns:a16="http://schemas.microsoft.com/office/drawing/2014/main" id="{4D493E8C-A604-7DAE-AA47-AA8205DDA31E}"/>
+              </a:ext>
+            </a:extLst>
+          </p:cNvPr>
           <p:cNvGrpSpPr/>
           <p:nvPr/>
         </p:nvGrpSpPr>
@@ -5878,7 +5832,13 @@
         </p:grpSpPr>
         <p:sp>
           <p:nvSpPr>
-            <p:cNvPr id="6" name="Freeform 6"/>
+            <p:cNvPr id="6" name="Freeform 6">
+              <a:extLst>
+                <a:ext uri="{FF2B5EF4-FFF2-40B4-BE49-F238E27FC236}">
+                  <a16:creationId xmlns:a16="http://schemas.microsoft.com/office/drawing/2014/main" id="{354C70C2-8DFB-ABE4-EC24-EA5B4D80CCE3}"/>
+                </a:ext>
+              </a:extLst>
+            </p:cNvPr>
             <p:cNvSpPr/>
             <p:nvPr/>
           </p:nvSpPr>
@@ -5932,7 +5892,13 @@
         </p:sp>
         <p:sp>
           <p:nvSpPr>
-            <p:cNvPr id="7" name="TextBox 7"/>
+            <p:cNvPr id="7" name="TextBox 7">
+              <a:extLst>
+                <a:ext uri="{FF2B5EF4-FFF2-40B4-BE49-F238E27FC236}">
+                  <a16:creationId xmlns:a16="http://schemas.microsoft.com/office/drawing/2014/main" id="{47124AA2-8BE6-7177-6667-99D0207BFF76}"/>
+                </a:ext>
+              </a:extLst>
+            </p:cNvPr>
             <p:cNvSpPr txBox="1"/>
             <p:nvPr/>
           </p:nvSpPr>
@@ -5961,7 +5927,13 @@
       </p:grpSp>
       <p:sp>
         <p:nvSpPr>
-          <p:cNvPr id="8" name="Freeform 8"/>
+          <p:cNvPr id="8" name="Freeform 8">
+            <a:extLst>
+              <a:ext uri="{FF2B5EF4-FFF2-40B4-BE49-F238E27FC236}">
+                <a16:creationId xmlns:a16="http://schemas.microsoft.com/office/drawing/2014/main" id="{887F1779-853B-68D6-8C5A-028533D6922B}"/>
+              </a:ext>
+            </a:extLst>
+          </p:cNvPr>
           <p:cNvSpPr/>
           <p:nvPr/>
         </p:nvSpPr>
@@ -6013,7 +5985,13 @@
       </p:sp>
       <p:grpSp>
         <p:nvGrpSpPr>
-          <p:cNvPr id="9" name="Group 9"/>
+          <p:cNvPr id="9" name="Group 9">
+            <a:extLst>
+              <a:ext uri="{FF2B5EF4-FFF2-40B4-BE49-F238E27FC236}">
+                <a16:creationId xmlns:a16="http://schemas.microsoft.com/office/drawing/2014/main" id="{BD3F4133-7AAA-FF93-8C31-5D63D229EC7C}"/>
+              </a:ext>
+            </a:extLst>
+          </p:cNvPr>
           <p:cNvGrpSpPr/>
           <p:nvPr/>
         </p:nvGrpSpPr>
@@ -6027,7 +6005,13 @@
         </p:grpSpPr>
         <p:sp>
           <p:nvSpPr>
-            <p:cNvPr id="10" name="Freeform 10"/>
+            <p:cNvPr id="10" name="Freeform 10">
+              <a:extLst>
+                <a:ext uri="{FF2B5EF4-FFF2-40B4-BE49-F238E27FC236}">
+                  <a16:creationId xmlns:a16="http://schemas.microsoft.com/office/drawing/2014/main" id="{04F4BCA8-AD22-81F1-9DB8-6D27929DE3B7}"/>
+                </a:ext>
+              </a:extLst>
+            </p:cNvPr>
             <p:cNvSpPr/>
             <p:nvPr/>
           </p:nvSpPr>
@@ -6105,7 +6089,13 @@
         </p:sp>
         <p:sp>
           <p:nvSpPr>
-            <p:cNvPr id="11" name="TextBox 11"/>
+            <p:cNvPr id="11" name="TextBox 11">
+              <a:extLst>
+                <a:ext uri="{FF2B5EF4-FFF2-40B4-BE49-F238E27FC236}">
+                  <a16:creationId xmlns:a16="http://schemas.microsoft.com/office/drawing/2014/main" id="{F67A3F9A-A6EE-74E0-84D7-147BC0CEE222}"/>
+                </a:ext>
+              </a:extLst>
+            </p:cNvPr>
             <p:cNvSpPr txBox="1"/>
             <p:nvPr/>
           </p:nvSpPr>
@@ -6134,7 +6124,13 @@
       </p:grpSp>
       <p:grpSp>
         <p:nvGrpSpPr>
-          <p:cNvPr id="12" name="Group 12"/>
+          <p:cNvPr id="12" name="Group 12">
+            <a:extLst>
+              <a:ext uri="{FF2B5EF4-FFF2-40B4-BE49-F238E27FC236}">
+                <a16:creationId xmlns:a16="http://schemas.microsoft.com/office/drawing/2014/main" id="{AB11C1B9-23F3-BD86-50A3-6AC63F660CD4}"/>
+              </a:ext>
+            </a:extLst>
+          </p:cNvPr>
           <p:cNvGrpSpPr/>
           <p:nvPr/>
         </p:nvGrpSpPr>
@@ -6148,7 +6144,13 @@
         </p:grpSpPr>
         <p:sp>
           <p:nvSpPr>
-            <p:cNvPr id="13" name="Freeform 13"/>
+            <p:cNvPr id="13" name="Freeform 13">
+              <a:extLst>
+                <a:ext uri="{FF2B5EF4-FFF2-40B4-BE49-F238E27FC236}">
+                  <a16:creationId xmlns:a16="http://schemas.microsoft.com/office/drawing/2014/main" id="{BDE5512B-C476-2EE8-1B7C-620F597448FB}"/>
+                </a:ext>
+              </a:extLst>
+            </p:cNvPr>
             <p:cNvSpPr/>
             <p:nvPr/>
           </p:nvSpPr>
@@ -6226,7 +6228,13 @@
         </p:sp>
         <p:sp>
           <p:nvSpPr>
-            <p:cNvPr id="14" name="TextBox 14"/>
+            <p:cNvPr id="14" name="TextBox 14">
+              <a:extLst>
+                <a:ext uri="{FF2B5EF4-FFF2-40B4-BE49-F238E27FC236}">
+                  <a16:creationId xmlns:a16="http://schemas.microsoft.com/office/drawing/2014/main" id="{6240DDD1-5B4B-D6CA-53AD-3C3874E1B14A}"/>
+                </a:ext>
+              </a:extLst>
+            </p:cNvPr>
             <p:cNvSpPr txBox="1"/>
             <p:nvPr/>
           </p:nvSpPr>
@@ -6255,7 +6263,13 @@
       </p:grpSp>
       <p:sp>
         <p:nvSpPr>
-          <p:cNvPr id="15" name="TextBox 15"/>
+          <p:cNvPr id="15" name="TextBox 15">
+            <a:extLst>
+              <a:ext uri="{FF2B5EF4-FFF2-40B4-BE49-F238E27FC236}">
+                <a16:creationId xmlns:a16="http://schemas.microsoft.com/office/drawing/2014/main" id="{CDCA4FD0-FC4A-0659-0725-FD414592B94F}"/>
+              </a:ext>
+            </a:extLst>
+          </p:cNvPr>
           <p:cNvSpPr txBox="1"/>
           <p:nvPr/>
         </p:nvSpPr>
@@ -6293,7 +6307,13 @@
       </p:sp>
       <p:sp>
         <p:nvSpPr>
-          <p:cNvPr id="16" name="TextBox 16"/>
+          <p:cNvPr id="16" name="TextBox 16">
+            <a:extLst>
+              <a:ext uri="{FF2B5EF4-FFF2-40B4-BE49-F238E27FC236}">
+                <a16:creationId xmlns:a16="http://schemas.microsoft.com/office/drawing/2014/main" id="{3A8E0AFD-4665-35DC-4F8C-32BFE1C09C4D}"/>
+              </a:ext>
+            </a:extLst>
+          </p:cNvPr>
           <p:cNvSpPr txBox="1"/>
           <p:nvPr/>
         </p:nvSpPr>
@@ -6331,7 +6351,13 @@
       </p:sp>
       <p:sp>
         <p:nvSpPr>
-          <p:cNvPr id="17" name="TextBox 17"/>
+          <p:cNvPr id="17" name="TextBox 17">
+            <a:extLst>
+              <a:ext uri="{FF2B5EF4-FFF2-40B4-BE49-F238E27FC236}">
+                <a16:creationId xmlns:a16="http://schemas.microsoft.com/office/drawing/2014/main" id="{79751E95-6927-B873-71F1-9F383CE40072}"/>
+              </a:ext>
+            </a:extLst>
+          </p:cNvPr>
           <p:cNvSpPr txBox="1"/>
           <p:nvPr/>
         </p:nvSpPr>
@@ -6369,7 +6395,13 @@
       </p:sp>
       <p:sp>
         <p:nvSpPr>
-          <p:cNvPr id="18" name="TextBox 18"/>
+          <p:cNvPr id="18" name="TextBox 18">
+            <a:extLst>
+              <a:ext uri="{FF2B5EF4-FFF2-40B4-BE49-F238E27FC236}">
+                <a16:creationId xmlns:a16="http://schemas.microsoft.com/office/drawing/2014/main" id="{7922894E-E2B5-489C-DF8F-2A7B094DF5A5}"/>
+              </a:ext>
+            </a:extLst>
+          </p:cNvPr>
           <p:cNvSpPr txBox="1"/>
           <p:nvPr/>
         </p:nvSpPr>
@@ -6407,7 +6439,13 @@
       </p:sp>
       <p:sp>
         <p:nvSpPr>
-          <p:cNvPr id="19" name="TextBox 19"/>
+          <p:cNvPr id="19" name="TextBox 19">
+            <a:extLst>
+              <a:ext uri="{FF2B5EF4-FFF2-40B4-BE49-F238E27FC236}">
+                <a16:creationId xmlns:a16="http://schemas.microsoft.com/office/drawing/2014/main" id="{B09CB97B-0C08-D083-3694-C25106354DF8}"/>
+              </a:ext>
+            </a:extLst>
+          </p:cNvPr>
           <p:cNvSpPr txBox="1"/>
           <p:nvPr/>
         </p:nvSpPr>
@@ -6445,7 +6483,13 @@
       </p:sp>
       <p:sp>
         <p:nvSpPr>
-          <p:cNvPr id="20" name="TextBox 20"/>
+          <p:cNvPr id="20" name="TextBox 20">
+            <a:extLst>
+              <a:ext uri="{FF2B5EF4-FFF2-40B4-BE49-F238E27FC236}">
+                <a16:creationId xmlns:a16="http://schemas.microsoft.com/office/drawing/2014/main" id="{176225B1-B476-6829-458C-48B5F6E7E940}"/>
+              </a:ext>
+            </a:extLst>
+          </p:cNvPr>
           <p:cNvSpPr txBox="1"/>
           <p:nvPr/>
         </p:nvSpPr>
@@ -6483,10 +6527,10 @@
       </p:sp>
       <p:pic>
         <p:nvPicPr>
-          <p:cNvPr id="24" name="Picture 23">
+          <p:cNvPr id="21" name="Picture 20">
             <a:extLst>
               <a:ext uri="{FF2B5EF4-FFF2-40B4-BE49-F238E27FC236}">
-                <a16:creationId xmlns:a16="http://schemas.microsoft.com/office/drawing/2014/main" id="{8C5B1285-6543-54ED-79DC-23E386584B11}"/>
+                <a16:creationId xmlns:a16="http://schemas.microsoft.com/office/drawing/2014/main" id="{8E969C73-AB7C-942F-166D-091A0A8A1BDF}"/>
               </a:ext>
             </a:extLst>
           </p:cNvPr>
@@ -6513,10 +6557,10 @@
       </p:pic>
       <p:pic>
         <p:nvPicPr>
-          <p:cNvPr id="26" name="Picture 25">
+          <p:cNvPr id="22" name="Picture 21">
             <a:extLst>
               <a:ext uri="{FF2B5EF4-FFF2-40B4-BE49-F238E27FC236}">
-                <a16:creationId xmlns:a16="http://schemas.microsoft.com/office/drawing/2014/main" id="{B3730503-38D5-C029-8C75-DC436A5F5688}"/>
+                <a16:creationId xmlns:a16="http://schemas.microsoft.com/office/drawing/2014/main" id="{5D3AD2F2-D625-A818-D040-17E7950A93B7}"/>
               </a:ext>
             </a:extLst>
           </p:cNvPr>
@@ -6542,6 +6586,11 @@
         </p:spPr>
       </p:pic>
     </p:spTree>
+    <p:extLst>
+      <p:ext uri="{BB962C8B-B14F-4D97-AF65-F5344CB8AC3E}">
+        <p14:creationId xmlns:p14="http://schemas.microsoft.com/office/powerpoint/2010/main" val="1434391837"/>
+      </p:ext>
+    </p:extLst>
   </p:cSld>
   <p:clrMapOvr>
     <a:masterClrMapping/>
@@ -7174,8 +7223,8 @@
         </p:nvSpPr>
         <p:spPr>
           <a:xfrm>
-            <a:off x="370328" y="1409938"/>
-            <a:ext cx="8773672" cy="7467123"/>
+            <a:off x="1028700" y="2270898"/>
+            <a:ext cx="7822048" cy="5501949"/>
           </a:xfrm>
           <a:custGeom>
             <a:avLst/>
@@ -7184,18 +7233,18 @@
             <a:cxnLst/>
             <a:rect l="l" t="t" r="r" b="b"/>
             <a:pathLst>
-              <a:path w="8773672" h="7467123">
+              <a:path w="7822048" h="5501949">
                 <a:moveTo>
                   <a:pt x="0" y="0"/>
                 </a:moveTo>
                 <a:lnTo>
-                  <a:pt x="8773672" y="0"/>
+                  <a:pt x="7822048" y="0"/>
                 </a:lnTo>
                 <a:lnTo>
-                  <a:pt x="8773672" y="7467124"/>
+                  <a:pt x="7822048" y="5501949"/>
                 </a:lnTo>
                 <a:lnTo>
-                  <a:pt x="0" y="7467124"/>
+                  <a:pt x="0" y="5501949"/>
                 </a:lnTo>
                 <a:lnTo>
                   <a:pt x="0" y="0"/>
@@ -7220,8 +7269,8 @@
         </p:nvSpPr>
         <p:spPr>
           <a:xfrm>
-            <a:off x="9447821" y="1028700"/>
-            <a:ext cx="7811479" cy="8622226"/>
+            <a:off x="9755579" y="649622"/>
+            <a:ext cx="6756662" cy="9201419"/>
           </a:xfrm>
           <a:custGeom>
             <a:avLst/>
@@ -7230,18 +7279,18 @@
             <a:cxnLst/>
             <a:rect l="l" t="t" r="r" b="b"/>
             <a:pathLst>
-              <a:path w="7811479" h="8622226">
+              <a:path w="6756662" h="9201419">
                 <a:moveTo>
                   <a:pt x="0" y="0"/>
                 </a:moveTo>
                 <a:lnTo>
-                  <a:pt x="7811479" y="0"/>
+                  <a:pt x="6756663" y="0"/>
                 </a:lnTo>
                 <a:lnTo>
-                  <a:pt x="7811479" y="8622226"/>
+                  <a:pt x="6756663" y="9201419"/>
                 </a:lnTo>
                 <a:lnTo>
-                  <a:pt x="0" y="8622226"/>
+                  <a:pt x="0" y="9201419"/>
                 </a:lnTo>
                 <a:lnTo>
                   <a:pt x="0" y="0"/>
@@ -7542,8 +7591,8 @@
         </p:nvSpPr>
         <p:spPr>
           <a:xfrm>
-            <a:off x="615161" y="685209"/>
-            <a:ext cx="7230614" cy="8916581"/>
+            <a:off x="1401864" y="1028700"/>
+            <a:ext cx="7084822" cy="8059135"/>
           </a:xfrm>
           <a:custGeom>
             <a:avLst/>
@@ -7552,18 +7601,18 @@
             <a:cxnLst/>
             <a:rect l="l" t="t" r="r" b="b"/>
             <a:pathLst>
-              <a:path w="7230614" h="8916581">
+              <a:path w="7084822" h="8059135">
                 <a:moveTo>
                   <a:pt x="0" y="0"/>
                 </a:moveTo>
                 <a:lnTo>
-                  <a:pt x="7230613" y="0"/>
+                  <a:pt x="7084821" y="0"/>
                 </a:lnTo>
                 <a:lnTo>
-                  <a:pt x="7230613" y="8916582"/>
+                  <a:pt x="7084821" y="8059135"/>
                 </a:lnTo>
                 <a:lnTo>
-                  <a:pt x="0" y="8916582"/>
+                  <a:pt x="0" y="8059135"/>
                 </a:lnTo>
                 <a:lnTo>
                   <a:pt x="0" y="0"/>
@@ -7588,8 +7637,8 @@
         </p:nvSpPr>
         <p:spPr>
           <a:xfrm>
-            <a:off x="8778942" y="279733"/>
-            <a:ext cx="6993281" cy="9322058"/>
+            <a:off x="9460860" y="210205"/>
+            <a:ext cx="5818726" cy="9629031"/>
           </a:xfrm>
           <a:custGeom>
             <a:avLst/>
@@ -7598,18 +7647,18 @@
             <a:cxnLst/>
             <a:rect l="l" t="t" r="r" b="b"/>
             <a:pathLst>
-              <a:path w="6993281" h="9322058">
+              <a:path w="5818726" h="9629031">
                 <a:moveTo>
                   <a:pt x="0" y="0"/>
                 </a:moveTo>
                 <a:lnTo>
-                  <a:pt x="6993281" y="0"/>
+                  <a:pt x="5818726" y="0"/>
                 </a:lnTo>
                 <a:lnTo>
-                  <a:pt x="6993281" y="9322058"/>
+                  <a:pt x="5818726" y="9629031"/>
                 </a:lnTo>
                 <a:lnTo>
-                  <a:pt x="0" y="9322058"/>
+                  <a:pt x="0" y="9629031"/>
                 </a:lnTo>
                 <a:lnTo>
                   <a:pt x="0" y="0"/>
@@ -7634,8 +7683,8 @@
         </p:nvSpPr>
         <p:spPr>
           <a:xfrm>
-            <a:off x="5039866" y="9810661"/>
-            <a:ext cx="8208268" cy="240665"/>
+            <a:off x="5052367" y="9810661"/>
+            <a:ext cx="8183265" cy="240665"/>
           </a:xfrm>
           <a:prstGeom prst="rect">
             <a:avLst/>
@@ -7662,7 +7711,17 @@
                 </a:solidFill>
                 <a:latin typeface="Arial Nova"/>
               </a:rPr>
-              <a:t>All Tables: https://drive.google.com/file/d/1HQS6j9nXRZeO6LForP4RKSd0zgsFjwd2/view?usp=drive_link</a:t>
+              <a:t>All Tables: https://drive.google.com/file/d/1Qk9SN-Eig1m-4UtTYiEiIUPTgCAOH-VO/view?usp=drive_link</a:t>
+            </a:r>
+            <a:r>
+              <a:rPr lang="en-US" sz="1400" u="sng">
+                <a:solidFill>
+                  <a:srgbClr val="000000"/>
+                </a:solidFill>
+                <a:latin typeface="Arial Nova"/>
+                <a:hlinkClick r:id="rId4" tooltip="https://drive.google.com/file/d/1Qk9SN-Eig1m-4UtTYiEiIUPTgCAOH-VO/view?usp=drive_link"/>
+              </a:rPr>
+              <a:t> </a:t>
             </a:r>
           </a:p>
         </p:txBody>

--- a/[Week 5] Database Dashboard/Presentation/Powerpoint.pptx
+++ b/[Week 5] Database Dashboard/Presentation/Powerpoint.pptx
@@ -7,7 +7,7 @@
   <p:sldIdLst>
     <p:sldId id="256" r:id="rId2"/>
     <p:sldId id="257" r:id="rId3"/>
-    <p:sldId id="273" r:id="rId4"/>
+    <p:sldId id="258" r:id="rId4"/>
     <p:sldId id="259" r:id="rId5"/>
     <p:sldId id="260" r:id="rId6"/>
     <p:sldId id="261" r:id="rId7"/>
@@ -352,7 +352,7 @@
             <a:fld id="{1D8BD707-D9CF-40AE-B4C6-C98DA3205C09}" type="datetimeFigureOut">
               <a:rPr lang="en-US" smtClean="0"/>
               <a:pPr/>
-              <a:t>5/15/2024</a:t>
+              <a:t>5/20/2024</a:t>
             </a:fld>
             <a:endParaRPr lang="en-US"/>
           </a:p>
@@ -517,7 +517,7 @@
             <a:fld id="{1D8BD707-D9CF-40AE-B4C6-C98DA3205C09}" type="datetimeFigureOut">
               <a:rPr lang="en-US" smtClean="0"/>
               <a:pPr/>
-              <a:t>5/15/2024</a:t>
+              <a:t>5/20/2024</a:t>
             </a:fld>
             <a:endParaRPr lang="en-US"/>
           </a:p>
@@ -692,7 +692,7 @@
             <a:fld id="{1D8BD707-D9CF-40AE-B4C6-C98DA3205C09}" type="datetimeFigureOut">
               <a:rPr lang="en-US" smtClean="0"/>
               <a:pPr/>
-              <a:t>5/15/2024</a:t>
+              <a:t>5/20/2024</a:t>
             </a:fld>
             <a:endParaRPr lang="en-US"/>
           </a:p>
@@ -857,7 +857,7 @@
             <a:fld id="{1D8BD707-D9CF-40AE-B4C6-C98DA3205C09}" type="datetimeFigureOut">
               <a:rPr lang="en-US" smtClean="0"/>
               <a:pPr/>
-              <a:t>5/15/2024</a:t>
+              <a:t>5/20/2024</a:t>
             </a:fld>
             <a:endParaRPr lang="en-US"/>
           </a:p>
@@ -1099,7 +1099,7 @@
             <a:fld id="{1D8BD707-D9CF-40AE-B4C6-C98DA3205C09}" type="datetimeFigureOut">
               <a:rPr lang="en-US" smtClean="0"/>
               <a:pPr/>
-              <a:t>5/15/2024</a:t>
+              <a:t>5/20/2024</a:t>
             </a:fld>
             <a:endParaRPr lang="en-US"/>
           </a:p>
@@ -1381,7 +1381,7 @@
             <a:fld id="{1D8BD707-D9CF-40AE-B4C6-C98DA3205C09}" type="datetimeFigureOut">
               <a:rPr lang="en-US" smtClean="0"/>
               <a:pPr/>
-              <a:t>5/15/2024</a:t>
+              <a:t>5/20/2024</a:t>
             </a:fld>
             <a:endParaRPr lang="en-US"/>
           </a:p>
@@ -1797,7 +1797,7 @@
             <a:fld id="{1D8BD707-D9CF-40AE-B4C6-C98DA3205C09}" type="datetimeFigureOut">
               <a:rPr lang="en-US" smtClean="0"/>
               <a:pPr/>
-              <a:t>5/15/2024</a:t>
+              <a:t>5/20/2024</a:t>
             </a:fld>
             <a:endParaRPr lang="en-US"/>
           </a:p>
@@ -1911,7 +1911,7 @@
             <a:fld id="{1D8BD707-D9CF-40AE-B4C6-C98DA3205C09}" type="datetimeFigureOut">
               <a:rPr lang="en-US" smtClean="0"/>
               <a:pPr/>
-              <a:t>5/15/2024</a:t>
+              <a:t>5/20/2024</a:t>
             </a:fld>
             <a:endParaRPr lang="en-US"/>
           </a:p>
@@ -2003,7 +2003,7 @@
             <a:fld id="{1D8BD707-D9CF-40AE-B4C6-C98DA3205C09}" type="datetimeFigureOut">
               <a:rPr lang="en-US" smtClean="0"/>
               <a:pPr/>
-              <a:t>5/15/2024</a:t>
+              <a:t>5/20/2024</a:t>
             </a:fld>
             <a:endParaRPr lang="en-US"/>
           </a:p>
@@ -2275,7 +2275,7 @@
             <a:fld id="{1D8BD707-D9CF-40AE-B4C6-C98DA3205C09}" type="datetimeFigureOut">
               <a:rPr lang="en-US" smtClean="0"/>
               <a:pPr/>
-              <a:t>5/15/2024</a:t>
+              <a:t>5/20/2024</a:t>
             </a:fld>
             <a:endParaRPr lang="en-US"/>
           </a:p>
@@ -2524,7 +2524,7 @@
             <a:fld id="{1D8BD707-D9CF-40AE-B4C6-C98DA3205C09}" type="datetimeFigureOut">
               <a:rPr lang="en-US" smtClean="0"/>
               <a:pPr/>
-              <a:t>5/15/2024</a:t>
+              <a:t>5/20/2024</a:t>
             </a:fld>
             <a:endParaRPr lang="en-US"/>
           </a:p>
@@ -2732,7 +2732,7 @@
             <a:fld id="{1D8BD707-D9CF-40AE-B4C6-C98DA3205C09}" type="datetimeFigureOut">
               <a:rPr lang="en-US" smtClean="0"/>
               <a:pPr/>
-              <a:t>5/15/2024</a:t>
+              <a:t>5/20/2024</a:t>
             </a:fld>
             <a:endParaRPr lang="en-US"/>
           </a:p>
@@ -4374,8 +4374,8 @@
         </p:nvSpPr>
         <p:spPr>
           <a:xfrm>
-            <a:off x="3502065" y="346916"/>
-            <a:ext cx="11283869" cy="9593168"/>
+            <a:off x="3696988" y="193946"/>
+            <a:ext cx="11204895" cy="9899108"/>
           </a:xfrm>
           <a:custGeom>
             <a:avLst/>
@@ -4384,18 +4384,18 @@
             <a:cxnLst/>
             <a:rect l="l" t="t" r="r" b="b"/>
             <a:pathLst>
-              <a:path w="11283869" h="9593168">
+              <a:path w="11204895" h="9899108">
                 <a:moveTo>
                   <a:pt x="0" y="0"/>
                 </a:moveTo>
                 <a:lnTo>
-                  <a:pt x="11283870" y="0"/>
+                  <a:pt x="11204895" y="0"/>
                 </a:lnTo>
                 <a:lnTo>
-                  <a:pt x="11283870" y="9593168"/>
+                  <a:pt x="11204895" y="9899108"/>
                 </a:lnTo>
                 <a:lnTo>
-                  <a:pt x="0" y="9593168"/>
+                  <a:pt x="0" y="9899108"/>
                 </a:lnTo>
                 <a:lnTo>
                   <a:pt x="0" y="0"/>
@@ -4696,8 +4696,8 @@
         </p:nvSpPr>
         <p:spPr>
           <a:xfrm>
-            <a:off x="3859988" y="2168080"/>
-            <a:ext cx="10568024" cy="7478170"/>
+            <a:off x="4086389" y="2182687"/>
+            <a:ext cx="10115221" cy="7589326"/>
           </a:xfrm>
           <a:custGeom>
             <a:avLst/>
@@ -4706,18 +4706,18 @@
             <a:cxnLst/>
             <a:rect l="l" t="t" r="r" b="b"/>
             <a:pathLst>
-              <a:path w="10568024" h="7478170">
+              <a:path w="10115221" h="7589326">
                 <a:moveTo>
                   <a:pt x="0" y="0"/>
                 </a:moveTo>
                 <a:lnTo>
-                  <a:pt x="10568024" y="0"/>
+                  <a:pt x="10115222" y="0"/>
                 </a:lnTo>
                 <a:lnTo>
-                  <a:pt x="10568024" y="7478170"/>
+                  <a:pt x="10115222" y="7589326"/>
                 </a:lnTo>
                 <a:lnTo>
-                  <a:pt x="0" y="7478170"/>
+                  <a:pt x="0" y="7589326"/>
                 </a:lnTo>
                 <a:lnTo>
                   <a:pt x="0" y="0"/>
@@ -4805,8 +4805,8 @@
         </p:nvSpPr>
         <p:spPr>
           <a:xfrm>
-            <a:off x="4217778" y="2059319"/>
-            <a:ext cx="9852444" cy="7764085"/>
+            <a:off x="4597203" y="2184458"/>
+            <a:ext cx="9093595" cy="7520840"/>
           </a:xfrm>
           <a:custGeom>
             <a:avLst/>
@@ -4815,18 +4815,18 @@
             <a:cxnLst/>
             <a:rect l="l" t="t" r="r" b="b"/>
             <a:pathLst>
-              <a:path w="9852444" h="7764085">
+              <a:path w="9093595" h="7520840">
                 <a:moveTo>
                   <a:pt x="0" y="0"/>
                 </a:moveTo>
                 <a:lnTo>
-                  <a:pt x="9852444" y="0"/>
+                  <a:pt x="9093594" y="0"/>
                 </a:lnTo>
                 <a:lnTo>
-                  <a:pt x="9852444" y="7764085"/>
+                  <a:pt x="9093594" y="7520841"/>
                 </a:lnTo>
                 <a:lnTo>
-                  <a:pt x="0" y="7764085"/>
+                  <a:pt x="0" y="7520841"/>
                 </a:lnTo>
                 <a:lnTo>
                   <a:pt x="0" y="0"/>
@@ -4914,8 +4914,8 @@
         </p:nvSpPr>
         <p:spPr>
           <a:xfrm>
-            <a:off x="3129047" y="1930142"/>
-            <a:ext cx="12029905" cy="7684914"/>
+            <a:off x="3786493" y="2303698"/>
+            <a:ext cx="11040347" cy="7052766"/>
           </a:xfrm>
           <a:custGeom>
             <a:avLst/>
@@ -4924,18 +4924,18 @@
             <a:cxnLst/>
             <a:rect l="l" t="t" r="r" b="b"/>
             <a:pathLst>
-              <a:path w="12029905" h="7684914">
+              <a:path w="11040347" h="7052766">
                 <a:moveTo>
                   <a:pt x="0" y="0"/>
                 </a:moveTo>
                 <a:lnTo>
-                  <a:pt x="12029906" y="0"/>
+                  <a:pt x="11040347" y="0"/>
                 </a:lnTo>
                 <a:lnTo>
-                  <a:pt x="12029906" y="7684914"/>
+                  <a:pt x="11040347" y="7052766"/>
                 </a:lnTo>
                 <a:lnTo>
-                  <a:pt x="0" y="7684914"/>
+                  <a:pt x="0" y="7052766"/>
                 </a:lnTo>
                 <a:lnTo>
                   <a:pt x="0" y="0"/>
@@ -5023,8 +5023,8 @@
         </p:nvSpPr>
         <p:spPr>
           <a:xfrm>
-            <a:off x="4074883" y="2198803"/>
-            <a:ext cx="10138234" cy="6949391"/>
+            <a:off x="4135801" y="2266904"/>
+            <a:ext cx="10016398" cy="6991396"/>
           </a:xfrm>
           <a:custGeom>
             <a:avLst/>
@@ -5033,18 +5033,18 @@
             <a:cxnLst/>
             <a:rect l="l" t="t" r="r" b="b"/>
             <a:pathLst>
-              <a:path w="10138234" h="6949391">
+              <a:path w="10016398" h="6991396">
                 <a:moveTo>
                   <a:pt x="0" y="0"/>
                 </a:moveTo>
                 <a:lnTo>
-                  <a:pt x="10138234" y="0"/>
+                  <a:pt x="10016398" y="0"/>
                 </a:lnTo>
                 <a:lnTo>
-                  <a:pt x="10138234" y="6949391"/>
+                  <a:pt x="10016398" y="6991396"/>
                 </a:lnTo>
                 <a:lnTo>
-                  <a:pt x="0" y="6949391"/>
+                  <a:pt x="0" y="6991396"/>
                 </a:lnTo>
                 <a:lnTo>
                   <a:pt x="0" y="0"/>
@@ -5530,6 +5530,44 @@
           </a:p>
         </p:txBody>
       </p:sp>
+      <p:sp>
+        <p:nvSpPr>
+          <p:cNvPr id="12" name="TextBox 12"/>
+          <p:cNvSpPr txBox="1"/>
+          <p:nvPr/>
+        </p:nvSpPr>
+        <p:spPr>
+          <a:xfrm>
+            <a:off x="6479069" y="8906263"/>
+            <a:ext cx="5329863" cy="306705"/>
+          </a:xfrm>
+          <a:prstGeom prst="rect">
+            <a:avLst/>
+          </a:prstGeom>
+        </p:spPr>
+        <p:txBody>
+          <a:bodyPr lIns="0" tIns="0" rIns="0" bIns="0" rtlCol="0" anchor="t">
+            <a:spAutoFit/>
+          </a:bodyPr>
+          <a:lstStyle/>
+          <a:p>
+            <a:pPr algn="ctr">
+              <a:lnSpc>
+                <a:spcPts val="2520"/>
+              </a:lnSpc>
+            </a:pPr>
+            <a:r>
+              <a:rPr lang="en-US" sz="1800" spc="89">
+                <a:solidFill>
+                  <a:srgbClr val="1C3879"/>
+                </a:solidFill>
+                <a:latin typeface="Aileron"/>
+              </a:rPr>
+              <a:t>Khuat Bao Nguyen</a:t>
+            </a:r>
+          </a:p>
+        </p:txBody>
+      </p:sp>
     </p:spTree>
   </p:cSld>
   <p:clrMapOvr>
@@ -5673,13 +5711,7 @@
       </p:grpSpPr>
       <p:grpSp>
         <p:nvGrpSpPr>
-          <p:cNvPr id="2" name="Group 2">
-            <a:extLst>
-              <a:ext uri="{FF2B5EF4-FFF2-40B4-BE49-F238E27FC236}">
-                <a16:creationId xmlns:a16="http://schemas.microsoft.com/office/drawing/2014/main" id="{B89B924C-18F6-76E9-6165-10BB0911596E}"/>
-              </a:ext>
-            </a:extLst>
-          </p:cNvPr>
+          <p:cNvPr id="2" name="Group 2"/>
           <p:cNvGrpSpPr/>
           <p:nvPr/>
         </p:nvGrpSpPr>
@@ -5693,13 +5725,7 @@
         </p:grpSpPr>
         <p:sp>
           <p:nvSpPr>
-            <p:cNvPr id="3" name="Freeform 3">
-              <a:extLst>
-                <a:ext uri="{FF2B5EF4-FFF2-40B4-BE49-F238E27FC236}">
-                  <a16:creationId xmlns:a16="http://schemas.microsoft.com/office/drawing/2014/main" id="{290C0299-5444-4262-D5DE-B54B9C0250C6}"/>
-                </a:ext>
-              </a:extLst>
-            </p:cNvPr>
+            <p:cNvPr id="3" name="Freeform 3"/>
             <p:cNvSpPr/>
             <p:nvPr/>
           </p:nvSpPr>
@@ -5777,13 +5803,7 @@
         </p:sp>
         <p:sp>
           <p:nvSpPr>
-            <p:cNvPr id="4" name="TextBox 4">
-              <a:extLst>
-                <a:ext uri="{FF2B5EF4-FFF2-40B4-BE49-F238E27FC236}">
-                  <a16:creationId xmlns:a16="http://schemas.microsoft.com/office/drawing/2014/main" id="{A8D817F7-83F8-6C11-753E-240DFFACDC1B}"/>
-                </a:ext>
-              </a:extLst>
-            </p:cNvPr>
+            <p:cNvPr id="4" name="TextBox 4"/>
             <p:cNvSpPr txBox="1"/>
             <p:nvPr/>
           </p:nvSpPr>
@@ -5812,13 +5832,7 @@
       </p:grpSp>
       <p:grpSp>
         <p:nvGrpSpPr>
-          <p:cNvPr id="5" name="Group 5">
-            <a:extLst>
-              <a:ext uri="{FF2B5EF4-FFF2-40B4-BE49-F238E27FC236}">
-                <a16:creationId xmlns:a16="http://schemas.microsoft.com/office/drawing/2014/main" id="{4D493E8C-A604-7DAE-AA47-AA8205DDA31E}"/>
-              </a:ext>
-            </a:extLst>
-          </p:cNvPr>
+          <p:cNvPr id="5" name="Group 5"/>
           <p:cNvGrpSpPr/>
           <p:nvPr/>
         </p:nvGrpSpPr>
@@ -5832,13 +5846,7 @@
         </p:grpSpPr>
         <p:sp>
           <p:nvSpPr>
-            <p:cNvPr id="6" name="Freeform 6">
-              <a:extLst>
-                <a:ext uri="{FF2B5EF4-FFF2-40B4-BE49-F238E27FC236}">
-                  <a16:creationId xmlns:a16="http://schemas.microsoft.com/office/drawing/2014/main" id="{354C70C2-8DFB-ABE4-EC24-EA5B4D80CCE3}"/>
-                </a:ext>
-              </a:extLst>
-            </p:cNvPr>
+            <p:cNvPr id="6" name="Freeform 6"/>
             <p:cNvSpPr/>
             <p:nvPr/>
           </p:nvSpPr>
@@ -5892,13 +5900,7 @@
         </p:sp>
         <p:sp>
           <p:nvSpPr>
-            <p:cNvPr id="7" name="TextBox 7">
-              <a:extLst>
-                <a:ext uri="{FF2B5EF4-FFF2-40B4-BE49-F238E27FC236}">
-                  <a16:creationId xmlns:a16="http://schemas.microsoft.com/office/drawing/2014/main" id="{47124AA2-8BE6-7177-6667-99D0207BFF76}"/>
-                </a:ext>
-              </a:extLst>
-            </p:cNvPr>
+            <p:cNvPr id="7" name="TextBox 7"/>
             <p:cNvSpPr txBox="1"/>
             <p:nvPr/>
           </p:nvSpPr>
@@ -5927,13 +5929,7 @@
       </p:grpSp>
       <p:sp>
         <p:nvSpPr>
-          <p:cNvPr id="8" name="Freeform 8">
-            <a:extLst>
-              <a:ext uri="{FF2B5EF4-FFF2-40B4-BE49-F238E27FC236}">
-                <a16:creationId xmlns:a16="http://schemas.microsoft.com/office/drawing/2014/main" id="{887F1779-853B-68D6-8C5A-028533D6922B}"/>
-              </a:ext>
-            </a:extLst>
-          </p:cNvPr>
+          <p:cNvPr id="8" name="Freeform 8"/>
           <p:cNvSpPr/>
           <p:nvPr/>
         </p:nvSpPr>
@@ -5985,13 +5981,7 @@
       </p:sp>
       <p:grpSp>
         <p:nvGrpSpPr>
-          <p:cNvPr id="9" name="Group 9">
-            <a:extLst>
-              <a:ext uri="{FF2B5EF4-FFF2-40B4-BE49-F238E27FC236}">
-                <a16:creationId xmlns:a16="http://schemas.microsoft.com/office/drawing/2014/main" id="{BD3F4133-7AAA-FF93-8C31-5D63D229EC7C}"/>
-              </a:ext>
-            </a:extLst>
-          </p:cNvPr>
+          <p:cNvPr id="9" name="Group 9"/>
           <p:cNvGrpSpPr/>
           <p:nvPr/>
         </p:nvGrpSpPr>
@@ -6005,13 +5995,7 @@
         </p:grpSpPr>
         <p:sp>
           <p:nvSpPr>
-            <p:cNvPr id="10" name="Freeform 10">
-              <a:extLst>
-                <a:ext uri="{FF2B5EF4-FFF2-40B4-BE49-F238E27FC236}">
-                  <a16:creationId xmlns:a16="http://schemas.microsoft.com/office/drawing/2014/main" id="{04F4BCA8-AD22-81F1-9DB8-6D27929DE3B7}"/>
-                </a:ext>
-              </a:extLst>
-            </p:cNvPr>
+            <p:cNvPr id="10" name="Freeform 10"/>
             <p:cNvSpPr/>
             <p:nvPr/>
           </p:nvSpPr>
@@ -6089,13 +6073,7 @@
         </p:sp>
         <p:sp>
           <p:nvSpPr>
-            <p:cNvPr id="11" name="TextBox 11">
-              <a:extLst>
-                <a:ext uri="{FF2B5EF4-FFF2-40B4-BE49-F238E27FC236}">
-                  <a16:creationId xmlns:a16="http://schemas.microsoft.com/office/drawing/2014/main" id="{F67A3F9A-A6EE-74E0-84D7-147BC0CEE222}"/>
-                </a:ext>
-              </a:extLst>
-            </p:cNvPr>
+            <p:cNvPr id="11" name="TextBox 11"/>
             <p:cNvSpPr txBox="1"/>
             <p:nvPr/>
           </p:nvSpPr>
@@ -6124,13 +6102,7 @@
       </p:grpSp>
       <p:grpSp>
         <p:nvGrpSpPr>
-          <p:cNvPr id="12" name="Group 12">
-            <a:extLst>
-              <a:ext uri="{FF2B5EF4-FFF2-40B4-BE49-F238E27FC236}">
-                <a16:creationId xmlns:a16="http://schemas.microsoft.com/office/drawing/2014/main" id="{AB11C1B9-23F3-BD86-50A3-6AC63F660CD4}"/>
-              </a:ext>
-            </a:extLst>
-          </p:cNvPr>
+          <p:cNvPr id="12" name="Group 12"/>
           <p:cNvGrpSpPr/>
           <p:nvPr/>
         </p:nvGrpSpPr>
@@ -6144,13 +6116,7 @@
         </p:grpSpPr>
         <p:sp>
           <p:nvSpPr>
-            <p:cNvPr id="13" name="Freeform 13">
-              <a:extLst>
-                <a:ext uri="{FF2B5EF4-FFF2-40B4-BE49-F238E27FC236}">
-                  <a16:creationId xmlns:a16="http://schemas.microsoft.com/office/drawing/2014/main" id="{BDE5512B-C476-2EE8-1B7C-620F597448FB}"/>
-                </a:ext>
-              </a:extLst>
-            </p:cNvPr>
+            <p:cNvPr id="13" name="Freeform 13"/>
             <p:cNvSpPr/>
             <p:nvPr/>
           </p:nvSpPr>
@@ -6228,13 +6194,7 @@
         </p:sp>
         <p:sp>
           <p:nvSpPr>
-            <p:cNvPr id="14" name="TextBox 14">
-              <a:extLst>
-                <a:ext uri="{FF2B5EF4-FFF2-40B4-BE49-F238E27FC236}">
-                  <a16:creationId xmlns:a16="http://schemas.microsoft.com/office/drawing/2014/main" id="{6240DDD1-5B4B-D6CA-53AD-3C3874E1B14A}"/>
-                </a:ext>
-              </a:extLst>
-            </p:cNvPr>
+            <p:cNvPr id="14" name="TextBox 14"/>
             <p:cNvSpPr txBox="1"/>
             <p:nvPr/>
           </p:nvSpPr>
@@ -6263,13 +6223,7 @@
       </p:grpSp>
       <p:sp>
         <p:nvSpPr>
-          <p:cNvPr id="15" name="TextBox 15">
-            <a:extLst>
-              <a:ext uri="{FF2B5EF4-FFF2-40B4-BE49-F238E27FC236}">
-                <a16:creationId xmlns:a16="http://schemas.microsoft.com/office/drawing/2014/main" id="{CDCA4FD0-FC4A-0659-0725-FD414592B94F}"/>
-              </a:ext>
-            </a:extLst>
-          </p:cNvPr>
+          <p:cNvPr id="15" name="TextBox 15"/>
           <p:cNvSpPr txBox="1"/>
           <p:nvPr/>
         </p:nvSpPr>
@@ -6307,13 +6261,7 @@
       </p:sp>
       <p:sp>
         <p:nvSpPr>
-          <p:cNvPr id="16" name="TextBox 16">
-            <a:extLst>
-              <a:ext uri="{FF2B5EF4-FFF2-40B4-BE49-F238E27FC236}">
-                <a16:creationId xmlns:a16="http://schemas.microsoft.com/office/drawing/2014/main" id="{3A8E0AFD-4665-35DC-4F8C-32BFE1C09C4D}"/>
-              </a:ext>
-            </a:extLst>
-          </p:cNvPr>
+          <p:cNvPr id="16" name="TextBox 16"/>
           <p:cNvSpPr txBox="1"/>
           <p:nvPr/>
         </p:nvSpPr>
@@ -6338,7 +6286,7 @@
               </a:lnSpc>
             </a:pPr>
             <a:r>
-              <a:rPr lang="en-US" sz="1800">
+              <a:rPr lang="en-US" sz="1800" dirty="0">
                 <a:solidFill>
                   <a:srgbClr val="FFFFFF"/>
                 </a:solidFill>
@@ -6351,13 +6299,7 @@
       </p:sp>
       <p:sp>
         <p:nvSpPr>
-          <p:cNvPr id="17" name="TextBox 17">
-            <a:extLst>
-              <a:ext uri="{FF2B5EF4-FFF2-40B4-BE49-F238E27FC236}">
-                <a16:creationId xmlns:a16="http://schemas.microsoft.com/office/drawing/2014/main" id="{79751E95-6927-B873-71F1-9F383CE40072}"/>
-              </a:ext>
-            </a:extLst>
-          </p:cNvPr>
+          <p:cNvPr id="17" name="TextBox 17"/>
           <p:cNvSpPr txBox="1"/>
           <p:nvPr/>
         </p:nvSpPr>
@@ -6395,13 +6337,7 @@
       </p:sp>
       <p:sp>
         <p:nvSpPr>
-          <p:cNvPr id="18" name="TextBox 18">
-            <a:extLst>
-              <a:ext uri="{FF2B5EF4-FFF2-40B4-BE49-F238E27FC236}">
-                <a16:creationId xmlns:a16="http://schemas.microsoft.com/office/drawing/2014/main" id="{7922894E-E2B5-489C-DF8F-2A7B094DF5A5}"/>
-              </a:ext>
-            </a:extLst>
-          </p:cNvPr>
+          <p:cNvPr id="18" name="TextBox 18"/>
           <p:cNvSpPr txBox="1"/>
           <p:nvPr/>
         </p:nvSpPr>
@@ -6439,13 +6375,7 @@
       </p:sp>
       <p:sp>
         <p:nvSpPr>
-          <p:cNvPr id="19" name="TextBox 19">
-            <a:extLst>
-              <a:ext uri="{FF2B5EF4-FFF2-40B4-BE49-F238E27FC236}">
-                <a16:creationId xmlns:a16="http://schemas.microsoft.com/office/drawing/2014/main" id="{B09CB97B-0C08-D083-3694-C25106354DF8}"/>
-              </a:ext>
-            </a:extLst>
-          </p:cNvPr>
+          <p:cNvPr id="19" name="TextBox 19"/>
           <p:cNvSpPr txBox="1"/>
           <p:nvPr/>
         </p:nvSpPr>
@@ -6483,13 +6413,7 @@
       </p:sp>
       <p:sp>
         <p:nvSpPr>
-          <p:cNvPr id="20" name="TextBox 20">
-            <a:extLst>
-              <a:ext uri="{FF2B5EF4-FFF2-40B4-BE49-F238E27FC236}">
-                <a16:creationId xmlns:a16="http://schemas.microsoft.com/office/drawing/2014/main" id="{176225B1-B476-6829-458C-48B5F6E7E940}"/>
-              </a:ext>
-            </a:extLst>
-          </p:cNvPr>
+          <p:cNvPr id="20" name="TextBox 20"/>
           <p:cNvSpPr txBox="1"/>
           <p:nvPr/>
         </p:nvSpPr>
@@ -6527,10 +6451,10 @@
       </p:sp>
       <p:pic>
         <p:nvPicPr>
-          <p:cNvPr id="21" name="Picture 20">
+          <p:cNvPr id="22" name="Picture 21">
             <a:extLst>
               <a:ext uri="{FF2B5EF4-FFF2-40B4-BE49-F238E27FC236}">
-                <a16:creationId xmlns:a16="http://schemas.microsoft.com/office/drawing/2014/main" id="{8E969C73-AB7C-942F-166D-091A0A8A1BDF}"/>
+                <a16:creationId xmlns:a16="http://schemas.microsoft.com/office/drawing/2014/main" id="{E1A79411-2899-2BD0-5B25-65A68A99D183}"/>
               </a:ext>
             </a:extLst>
           </p:cNvPr>
@@ -6547,8 +6471,8 @@
         </p:blipFill>
         <p:spPr>
           <a:xfrm>
-            <a:off x="6000210" y="4398010"/>
-            <a:ext cx="1352739" cy="1171739"/>
+            <a:off x="5985921" y="4459211"/>
+            <a:ext cx="1381318" cy="1200318"/>
           </a:xfrm>
           <a:prstGeom prst="rect">
             <a:avLst/>
@@ -6557,10 +6481,10 @@
       </p:pic>
       <p:pic>
         <p:nvPicPr>
-          <p:cNvPr id="22" name="Picture 21">
+          <p:cNvPr id="24" name="Picture 23">
             <a:extLst>
               <a:ext uri="{FF2B5EF4-FFF2-40B4-BE49-F238E27FC236}">
-                <a16:creationId xmlns:a16="http://schemas.microsoft.com/office/drawing/2014/main" id="{5D3AD2F2-D625-A818-D040-17E7950A93B7}"/>
+                <a16:creationId xmlns:a16="http://schemas.microsoft.com/office/drawing/2014/main" id="{332B524C-68E8-F8EF-2C45-F37BE71B5C2E}"/>
               </a:ext>
             </a:extLst>
           </p:cNvPr>
@@ -6577,8 +6501,8 @@
         </p:blipFill>
         <p:spPr>
           <a:xfrm>
-            <a:off x="11049000" y="4497317"/>
-            <a:ext cx="1352739" cy="1162212"/>
+            <a:off x="10910567" y="4533858"/>
+            <a:ext cx="1390844" cy="1114581"/>
           </a:xfrm>
           <a:prstGeom prst="rect">
             <a:avLst/>
@@ -6586,11 +6510,6 @@
         </p:spPr>
       </p:pic>
     </p:spTree>
-    <p:extLst>
-      <p:ext uri="{BB962C8B-B14F-4D97-AF65-F5344CB8AC3E}">
-        <p14:creationId xmlns:p14="http://schemas.microsoft.com/office/powerpoint/2010/main" val="1434391837"/>
-      </p:ext>
-    </p:extLst>
   </p:cSld>
   <p:clrMapOvr>
     <a:masterClrMapping/>
